--- a/JetstreamSkiserviceAPI_Projectdocument/JetstreamSkiAPI_Präsentation.pptx
+++ b/JetstreamSkiserviceAPI_Projectdocument/JetstreamSkiAPI_Präsentation.pptx
@@ -112,6 +112,11 @@
       </a:defRPr>
     </a:lvl9pPr>
   </p:defaultTextStyle>
+  <p:extLst>
+    <p:ext uri="{EFAFB233-063F-42B5-8137-9DF3F51BA10A}">
+      <p15:sldGuideLst xmlns:p15="http://schemas.microsoft.com/office/powerpoint/2012/main"/>
+    </p:ext>
+  </p:extLst>
 </p:presentation>
 </file>
 
@@ -7121,16 +7126,22 @@
             </a:r>
           </a:p>
           <a:p>
+            <a:r>
+              <a:rPr lang="de-CH" dirty="0"/>
+              <a:t>Testprojekt</a:t>
+            </a:r>
+          </a:p>
+          <a:p>
             <a:endParaRPr lang="de-CH" dirty="0"/>
           </a:p>
         </p:txBody>
       </p:sp>
       <p:pic>
         <p:nvPicPr>
-          <p:cNvPr id="5" name="Grafik 4">
+          <p:cNvPr id="6" name="Grafik 5">
             <a:extLst>
               <a:ext uri="{FF2B5EF4-FFF2-40B4-BE49-F238E27FC236}">
-                <a16:creationId xmlns:a16="http://schemas.microsoft.com/office/drawing/2014/main" id="{C26FE219-6B7A-6D91-0216-F6B15BCBCEA9}"/>
+                <a16:creationId xmlns:a16="http://schemas.microsoft.com/office/drawing/2014/main" id="{925F608D-C26A-D4EC-E6B2-FBD8DF7E5EAC}"/>
               </a:ext>
             </a:extLst>
           </p:cNvPr>
@@ -7147,8 +7158,8 @@
         </p:blipFill>
         <p:spPr>
           <a:xfrm>
-            <a:off x="8197715" y="1993826"/>
-            <a:ext cx="2622685" cy="2870348"/>
+            <a:off x="7785441" y="1870303"/>
+            <a:ext cx="3187359" cy="3117393"/>
           </a:xfrm>
           <a:prstGeom prst="rect">
             <a:avLst/>
@@ -7624,8 +7635,55 @@
         </p:blipFill>
         <p:spPr bwMode="auto">
           <a:xfrm>
-            <a:off x="8212286" y="2950392"/>
+            <a:off x="9650098" y="4310247"/>
             <a:ext cx="957214" cy="957214"/>
+          </a:xfrm>
+          <a:prstGeom prst="rect">
+            <a:avLst/>
+          </a:prstGeom>
+          <a:noFill/>
+          <a:extLst>
+            <a:ext uri="{909E8E84-426E-40DD-AFC4-6F175D3DCCD1}">
+              <a14:hiddenFill xmlns:a14="http://schemas.microsoft.com/office/drawing/2010/main">
+                <a:solidFill>
+                  <a:srgbClr val="FFFFFF"/>
+                </a:solidFill>
+              </a14:hiddenFill>
+            </a:ext>
+          </a:extLst>
+        </p:spPr>
+      </p:pic>
+      <p:pic>
+        <p:nvPicPr>
+          <p:cNvPr id="1028" name="Picture 4" descr="Swagger (Software) – Wikipedia">
+            <a:extLst>
+              <a:ext uri="{FF2B5EF4-FFF2-40B4-BE49-F238E27FC236}">
+                <a16:creationId xmlns:a16="http://schemas.microsoft.com/office/drawing/2014/main" id="{112A1BEC-E9CB-F802-87A2-A717C7331045}"/>
+              </a:ext>
+            </a:extLst>
+          </p:cNvPr>
+          <p:cNvPicPr>
+            <a:picLocks noChangeAspect="1" noChangeArrowheads="1"/>
+          </p:cNvPicPr>
+          <p:nvPr/>
+        </p:nvPicPr>
+        <p:blipFill>
+          <a:blip r:embed="rId11">
+            <a:extLst>
+              <a:ext uri="{28A0092B-C50C-407E-A947-70E740481C1C}">
+                <a14:useLocalDpi xmlns:a14="http://schemas.microsoft.com/office/drawing/2010/main" val="0"/>
+              </a:ext>
+            </a:extLst>
+          </a:blip>
+          <a:srcRect/>
+          <a:stretch>
+            <a:fillRect/>
+          </a:stretch>
+        </p:blipFill>
+        <p:spPr bwMode="auto">
+          <a:xfrm>
+            <a:off x="7646018" y="2472002"/>
+            <a:ext cx="1349033" cy="1349033"/>
           </a:xfrm>
           <a:prstGeom prst="rect">
             <a:avLst/>
@@ -7985,21 +8043,13 @@
           <a:p>
             <a:r>
               <a:rPr lang="de-CH" dirty="0"/>
-              <a:t>Offene Sachen: </a:t>
-            </a:r>
-            <a:r>
-              <a:rPr lang="de-CH" dirty="0" err="1"/>
-              <a:t>FluentValidation</a:t>
-            </a:r>
-            <a:r>
-              <a:rPr lang="de-CH" dirty="0"/>
-              <a:t> </a:t>
+              <a:t>Offene Sachen:</a:t>
             </a:r>
             <a:r>
               <a:rPr lang="de-CH" dirty="0">
                 <a:sym typeface="Wingdings" panose="05000000000000000000" pitchFamily="2" charset="2"/>
               </a:rPr>
-              <a:t> v2, Frontend </a:t>
+              <a:t> Frontend </a:t>
             </a:r>
             <a:r>
               <a:rPr lang="de-CH" dirty="0" err="1">
@@ -8011,13 +8061,13 @@
               <a:rPr lang="de-CH" dirty="0">
                 <a:sym typeface="Wingdings" panose="05000000000000000000" pitchFamily="2" charset="2"/>
               </a:rPr>
-              <a:t> </a:t>
+              <a:t> «Button», Weitere Felder veränderbar machen, Bestellung nicht </a:t>
             </a:r>
             <a:r>
               <a:rPr lang="de-CH">
                 <a:sym typeface="Wingdings" panose="05000000000000000000" pitchFamily="2" charset="2"/>
               </a:rPr>
-              <a:t>«Button»</a:t>
+              <a:t>komplett löschen</a:t>
             </a:r>
             <a:endParaRPr lang="de-CH" dirty="0"/>
           </a:p>
@@ -8052,7 +8102,7 @@
         </p:blipFill>
         <p:spPr bwMode="auto">
           <a:xfrm>
-            <a:off x="9093200" y="2849880"/>
+            <a:off x="9449335" y="2286000"/>
             <a:ext cx="1879600" cy="1879600"/>
           </a:xfrm>
           <a:prstGeom prst="rect">
